--- a/lessons/Lesson_2.pptx
+++ b/lessons/Lesson_2.pptx
@@ -28,25 +28,35 @@
   <p:notesSz cx="6858000" cy="9144000"/>
   <p:embeddedFontLst>
     <p:embeddedFont>
-      <p:font typeface="Calibri" panose="020F0502020204030204" pitchFamily="34" charset="0"/>
+      <p:font typeface="Microsoft YaHei UI" panose="020B0503020204020204" pitchFamily="34" charset="-122"/>
       <p:regular r:id="rId18"/>
       <p:bold r:id="rId19"/>
-      <p:italic r:id="rId20"/>
-      <p:boldItalic r:id="rId21"/>
     </p:embeddedFont>
     <p:embeddedFont>
       <p:font typeface="Nunito Sans" panose="020B0604020202020204" charset="0"/>
-      <p:regular r:id="rId22"/>
-      <p:bold r:id="rId23"/>
-      <p:italic r:id="rId24"/>
-      <p:boldItalic r:id="rId25"/>
+      <p:regular r:id="rId20"/>
+      <p:bold r:id="rId21"/>
+      <p:italic r:id="rId22"/>
+      <p:boldItalic r:id="rId23"/>
     </p:embeddedFont>
     <p:embeddedFont>
-      <p:font typeface="Georgia" panose="02040502050405020303" pitchFamily="18" charset="0"/>
+      <p:font typeface="Microsoft YaHei" panose="020B0503020204020204" pitchFamily="34" charset="-122"/>
+      <p:regular r:id="rId24"/>
+      <p:bold r:id="rId25"/>
+    </p:embeddedFont>
+    <p:embeddedFont>
+      <p:font typeface="Calibri" panose="020F0502020204030204" pitchFamily="34" charset="0"/>
       <p:regular r:id="rId26"/>
       <p:bold r:id="rId27"/>
       <p:italic r:id="rId28"/>
       <p:boldItalic r:id="rId29"/>
+    </p:embeddedFont>
+    <p:embeddedFont>
+      <p:font typeface="Georgia" panose="02040502050405020303" pitchFamily="18" charset="0"/>
+      <p:regular r:id="rId30"/>
+      <p:bold r:id="rId31"/>
+      <p:italic r:id="rId32"/>
+      <p:boldItalic r:id="rId33"/>
     </p:embeddedFont>
   </p:embeddedFontLst>
   <p:defaultTextStyle>
@@ -13326,115 +13336,8 @@
             </a:pPr>
             <a:r>
               <a:rPr lang="en" dirty="0" smtClean="0"/>
-              <a:t>Exercise 1</a:t>
-            </a:r>
-            <a:endParaRPr lang="en" dirty="0"/>
-          </a:p>
-        </p:txBody>
-      </p:sp>
-      <p:sp>
-        <p:nvSpPr>
-          <p:cNvPr id="122" name="Shape 122"/>
-          <p:cNvSpPr txBox="1">
-            <a:spLocks noGrp="1"/>
-          </p:cNvSpPr>
-          <p:nvPr>
-            <p:ph type="body" idx="2"/>
-          </p:nvPr>
-        </p:nvSpPr>
-        <p:spPr>
-          <a:xfrm>
-            <a:off x="4710146" y="1016000"/>
-            <a:ext cx="4433853" cy="3431010"/>
-          </a:xfrm>
-          <a:prstGeom prst="rect">
-            <a:avLst/>
-          </a:prstGeom>
-        </p:spPr>
-        <p:txBody>
-          <a:bodyPr wrap="square" lIns="91425" tIns="91425" rIns="91425" bIns="91425" anchor="t" anchorCtr="0">
-            <a:noAutofit/>
-          </a:bodyPr>
-          <a:lstStyle/>
-          <a:p>
-            <a:pPr marL="457200" lvl="0" indent="-342900" rtl="0">
-              <a:spcBef>
-                <a:spcPts val="0"/>
-              </a:spcBef>
-              <a:spcAft>
-                <a:spcPts val="1000"/>
-              </a:spcAft>
-              <a:buSzPts val="1800"/>
-              <a:buFont typeface="+mj-lt"/>
-              <a:buAutoNum type="arabicPeriod"/>
-            </a:pPr>
-            <a:r>
-              <a:rPr lang="it-IT" dirty="0" smtClean="0"/>
-              <a:t>???</a:t>
-            </a:r>
-            <a:endParaRPr lang="en" dirty="0" smtClean="0"/>
-          </a:p>
-          <a:p>
-            <a:pPr marL="457200" lvl="0" indent="-342900" rtl="0">
-              <a:spcBef>
-                <a:spcPts val="0"/>
-              </a:spcBef>
-              <a:spcAft>
-                <a:spcPts val="1000"/>
-              </a:spcAft>
-              <a:buSzPts val="1800"/>
-              <a:buFont typeface="+mj-lt"/>
-              <a:buAutoNum type="arabicPeriod" startAt="2"/>
-            </a:pPr>
-            <a:r>
-              <a:rPr lang="en" dirty="0" smtClean="0"/>
-              <a:t>Review the main code</a:t>
-            </a:r>
-          </a:p>
-          <a:p>
-            <a:pPr marL="114300">
-              <a:buNone/>
-            </a:pPr>
-            <a:r>
-              <a:rPr lang="it-IT" sz="800" dirty="0" smtClean="0">
-                <a:solidFill>
-                  <a:srgbClr val="FA8006"/>
-                </a:solidFill>
-                <a:latin typeface="Courier New" panose="02070309020205020404" pitchFamily="49" charset="0"/>
-                <a:cs typeface="Courier New" panose="02070309020205020404" pitchFamily="49" charset="0"/>
-              </a:rPr>
-              <a:t>./ComputerProgrammingBasic/exercise1/main.py</a:t>
-            </a:r>
-            <a:endParaRPr lang="en" sz="800" dirty="0">
-              <a:solidFill>
-                <a:srgbClr val="FA8006"/>
-              </a:solidFill>
-              <a:latin typeface="Courier New" panose="02070309020205020404" pitchFamily="49" charset="0"/>
-              <a:cs typeface="Courier New" panose="02070309020205020404" pitchFamily="49" charset="0"/>
-            </a:endParaRPr>
-          </a:p>
-          <a:p>
-            <a:pPr marL="457200" indent="-342900">
-              <a:buFont typeface="+mj-lt"/>
-              <a:buAutoNum type="arabicPeriod" startAt="4"/>
-            </a:pPr>
-            <a:r>
-              <a:rPr lang="en" dirty="0" smtClean="0"/>
-              <a:t>Update the main code to calculate the mean of 10 value</a:t>
-            </a:r>
-            <a:endParaRPr lang="en" dirty="0"/>
-          </a:p>
-          <a:p>
-            <a:pPr marL="114300" lvl="0" rtl="0">
-              <a:spcBef>
-                <a:spcPts val="0"/>
-              </a:spcBef>
-              <a:spcAft>
-                <a:spcPts val="1000"/>
-              </a:spcAft>
-              <a:buSzPts val="1800"/>
-              <a:buNone/>
-            </a:pPr>
+              <a:t>Exercise 2 part 1</a:t>
+            </a:r>
             <a:endParaRPr lang="en" dirty="0"/>
           </a:p>
         </p:txBody>
@@ -13507,12 +13410,154 @@
               <a:rPr lang="en-US" dirty="0"/>
               <a:t>Run the shell of the virtual OS and try to execute all </a:t>
             </a:r>
-          </a:p>
-          <a:p>
+            <a:r>
+              <a:rPr lang="en-US" dirty="0" smtClean="0"/>
+              <a:t>the </a:t>
+            </a:r>
             <a:r>
               <a:rPr lang="en-US" dirty="0"/>
-              <a:t>the commands (use "help" to list all the available commands) </a:t>
-            </a:r>
+              <a:t>commands (use "help" to list all the available commands) </a:t>
+            </a:r>
+            <a:endParaRPr lang="en-US" dirty="0" smtClean="0"/>
+          </a:p>
+        </p:txBody>
+      </p:sp>
+      <p:sp>
+        <p:nvSpPr>
+          <p:cNvPr id="7" name="Shape 122"/>
+          <p:cNvSpPr txBox="1">
+            <a:spLocks noGrp="1"/>
+          </p:cNvSpPr>
+          <p:nvPr>
+            <p:ph type="body" idx="2"/>
+          </p:nvPr>
+        </p:nvSpPr>
+        <p:spPr>
+          <a:xfrm>
+            <a:off x="4710146" y="1016000"/>
+            <a:ext cx="4433853" cy="3805980"/>
+          </a:xfrm>
+          <a:prstGeom prst="rect">
+            <a:avLst/>
+          </a:prstGeom>
+        </p:spPr>
+        <p:txBody>
+          <a:bodyPr wrap="square" lIns="91425" tIns="91425" rIns="91425" bIns="91425" anchor="t" anchorCtr="0">
+            <a:noAutofit/>
+          </a:bodyPr>
+          <a:lstStyle/>
+          <a:p>
+            <a:pPr marL="457200" lvl="0" indent="-342900" rtl="0">
+              <a:spcBef>
+                <a:spcPts val="0"/>
+              </a:spcBef>
+              <a:spcAft>
+                <a:spcPts val="1000"/>
+              </a:spcAft>
+              <a:buSzPts val="1800"/>
+              <a:buFont typeface="+mj-lt"/>
+              <a:buAutoNum type="arabicPeriod"/>
+            </a:pPr>
+            <a:r>
+              <a:rPr lang="en" dirty="0" smtClean="0"/>
+              <a:t>Read the Exercise documentation</a:t>
+            </a:r>
+          </a:p>
+          <a:p>
+            <a:pPr marL="114300" lvl="0">
+              <a:buNone/>
+            </a:pPr>
+            <a:r>
+              <a:rPr lang="it-IT" sz="800" dirty="0" smtClean="0">
+                <a:solidFill>
+                  <a:srgbClr val="FA8006"/>
+                </a:solidFill>
+                <a:latin typeface="Courier New" panose="02070309020205020404" pitchFamily="49" charset="0"/>
+                <a:cs typeface="Courier New" panose="02070309020205020404" pitchFamily="49" charset="0"/>
+              </a:rPr>
+              <a:t>./ComputerProgrammingBasic/exercise2/Exercise_2.pptx</a:t>
+            </a:r>
+            <a:endParaRPr lang="en" sz="800" dirty="0">
+              <a:solidFill>
+                <a:srgbClr val="FA8006"/>
+              </a:solidFill>
+              <a:latin typeface="Courier New" panose="02070309020205020404" pitchFamily="49" charset="0"/>
+              <a:cs typeface="Courier New" panose="02070309020205020404" pitchFamily="49" charset="0"/>
+            </a:endParaRPr>
+          </a:p>
+          <a:p>
+            <a:pPr marL="457200" lvl="3" indent="-342900">
+              <a:buSzPts val="1800"/>
+              <a:buFont typeface="Arial" panose="020B0604020202020204" pitchFamily="34" charset="0"/>
+              <a:buChar char="•"/>
+            </a:pPr>
+            <a:r>
+              <a:rPr lang="en" dirty="0" smtClean="0"/>
+              <a:t>Read FileSystem documentation</a:t>
+            </a:r>
+          </a:p>
+          <a:p>
+            <a:pPr marL="457200" lvl="3" indent="-342900">
+              <a:buSzPts val="1800"/>
+              <a:buFont typeface="Arial" panose="020B0604020202020204" pitchFamily="34" charset="0"/>
+              <a:buChar char="•"/>
+            </a:pPr>
+            <a:r>
+              <a:rPr lang="en" dirty="0"/>
+              <a:t>Read </a:t>
+            </a:r>
+            <a:r>
+              <a:rPr lang="en" dirty="0" smtClean="0"/>
+              <a:t>Driver documentation</a:t>
+            </a:r>
+          </a:p>
+          <a:p>
+            <a:pPr marL="457200" lvl="3" indent="-342900">
+              <a:buSzPts val="1800"/>
+              <a:buFont typeface="Arial" panose="020B0604020202020204" pitchFamily="34" charset="0"/>
+              <a:buChar char="•"/>
+            </a:pPr>
+            <a:r>
+              <a:rPr lang="en" dirty="0" smtClean="0"/>
+              <a:t>Read Scheduler documentation</a:t>
+            </a:r>
+          </a:p>
+          <a:p>
+            <a:pPr marL="457200" lvl="0" indent="-342900" rtl="0">
+              <a:spcBef>
+                <a:spcPts val="0"/>
+              </a:spcBef>
+              <a:spcAft>
+                <a:spcPts val="1000"/>
+              </a:spcAft>
+              <a:buSzPts val="1800"/>
+              <a:buFont typeface="+mj-lt"/>
+              <a:buAutoNum type="arabicPeriod" startAt="2"/>
+            </a:pPr>
+            <a:r>
+              <a:rPr lang="en" dirty="0" smtClean="0"/>
+              <a:t>Run the Shell and try all the commands (start with </a:t>
+            </a:r>
+            <a:r>
+              <a:rPr lang="en" b="1" dirty="0" smtClean="0"/>
+              <a:t>help</a:t>
+            </a:r>
+            <a:r>
+              <a:rPr lang="en" dirty="0" smtClean="0"/>
+              <a:t>)</a:t>
+            </a:r>
+          </a:p>
+          <a:p>
+            <a:pPr marL="114300" lvl="0" rtl="0">
+              <a:spcBef>
+                <a:spcPts val="0"/>
+              </a:spcBef>
+              <a:spcAft>
+                <a:spcPts val="1000"/>
+              </a:spcAft>
+              <a:buSzPts val="1800"/>
+              <a:buNone/>
+            </a:pPr>
             <a:endParaRPr lang="en" dirty="0"/>
           </a:p>
         </p:txBody>
@@ -13580,50 +13625,7 @@
             </a:pPr>
             <a:r>
               <a:rPr lang="en" dirty="0" smtClean="0"/>
-              <a:t>Exercise 2</a:t>
-            </a:r>
-            <a:endParaRPr lang="en" dirty="0"/>
-          </a:p>
-        </p:txBody>
-      </p:sp>
-      <p:sp>
-        <p:nvSpPr>
-          <p:cNvPr id="122" name="Shape 122"/>
-          <p:cNvSpPr txBox="1">
-            <a:spLocks noGrp="1"/>
-          </p:cNvSpPr>
-          <p:nvPr>
-            <p:ph type="body" idx="2"/>
-          </p:nvPr>
-        </p:nvSpPr>
-        <p:spPr>
-          <a:xfrm>
-            <a:off x="4578578" y="1016000"/>
-            <a:ext cx="4526906" cy="3099900"/>
-          </a:xfrm>
-          <a:prstGeom prst="rect">
-            <a:avLst/>
-          </a:prstGeom>
-        </p:spPr>
-        <p:txBody>
-          <a:bodyPr wrap="square" lIns="91425" tIns="91425" rIns="91425" bIns="91425" anchor="t" anchorCtr="0">
-            <a:noAutofit/>
-          </a:bodyPr>
-          <a:lstStyle/>
-          <a:p>
-            <a:pPr marL="457200" lvl="0" indent="-342900" rtl="0">
-              <a:spcBef>
-                <a:spcPts val="0"/>
-              </a:spcBef>
-              <a:spcAft>
-                <a:spcPts val="1000"/>
-              </a:spcAft>
-              <a:buSzPts val="1800"/>
-              <a:buAutoNum type="arabicPeriod"/>
-            </a:pPr>
-            <a:r>
-              <a:rPr lang="it-IT" smtClean="0"/>
-              <a:t>???</a:t>
+              <a:t>Exercise 2 part 2</a:t>
             </a:r>
             <a:endParaRPr lang="en" dirty="0"/>
           </a:p>
@@ -13703,6 +13705,197 @@
               <a:rPr lang="en" dirty="0" smtClean="0"/>
               <a:t>Add a mkdir command that create new folder </a:t>
             </a:r>
+          </a:p>
+          <a:p>
+            <a:r>
+              <a:rPr lang="en-US" dirty="0"/>
+              <a:t>Implement </a:t>
+            </a:r>
+            <a:r>
+              <a:rPr lang="en-US" dirty="0" err="1"/>
+              <a:t>mkdir</a:t>
+            </a:r>
+            <a:r>
+              <a:rPr lang="en-US" dirty="0"/>
+              <a:t> using filesystem API</a:t>
+            </a:r>
+            <a:endParaRPr lang="en" dirty="0"/>
+          </a:p>
+          <a:p>
+            <a:pPr marL="0" lvl="0" indent="0">
+              <a:spcBef>
+                <a:spcPts val="0"/>
+              </a:spcBef>
+              <a:buNone/>
+            </a:pPr>
+            <a:endParaRPr lang="en" dirty="0"/>
+          </a:p>
+        </p:txBody>
+      </p:sp>
+      <p:sp>
+        <p:nvSpPr>
+          <p:cNvPr id="7" name="Shape 122"/>
+          <p:cNvSpPr txBox="1">
+            <a:spLocks noGrp="1"/>
+          </p:cNvSpPr>
+          <p:nvPr>
+            <p:ph type="body" idx="2"/>
+          </p:nvPr>
+        </p:nvSpPr>
+        <p:spPr>
+          <a:xfrm>
+            <a:off x="4710146" y="1016000"/>
+            <a:ext cx="4433853" cy="3805980"/>
+          </a:xfrm>
+          <a:prstGeom prst="rect">
+            <a:avLst/>
+          </a:prstGeom>
+        </p:spPr>
+        <p:txBody>
+          <a:bodyPr wrap="square" lIns="91425" tIns="91425" rIns="91425" bIns="91425" anchor="t" anchorCtr="0">
+            <a:noAutofit/>
+          </a:bodyPr>
+          <a:lstStyle/>
+          <a:p>
+            <a:pPr marL="457200" lvl="0" indent="-342900">
+              <a:buFont typeface="+mj-lt"/>
+              <a:buAutoNum type="arabicPeriod"/>
+            </a:pPr>
+            <a:r>
+              <a:rPr lang="en" dirty="0"/>
+              <a:t>Review </a:t>
+            </a:r>
+            <a:r>
+              <a:rPr lang="en"/>
+              <a:t>the </a:t>
+            </a:r>
+            <a:r>
+              <a:rPr lang="en" smtClean="0"/>
+              <a:t>File System </a:t>
+            </a:r>
+            <a:r>
+              <a:rPr lang="en" dirty="0"/>
+              <a:t>commands code</a:t>
+            </a:r>
+          </a:p>
+          <a:p>
+            <a:pPr marL="114300">
+              <a:buNone/>
+            </a:pPr>
+            <a:r>
+              <a:rPr lang="it-IT" sz="800" dirty="0" smtClean="0">
+                <a:solidFill>
+                  <a:srgbClr val="FA8006"/>
+                </a:solidFill>
+                <a:latin typeface="Courier New" panose="02070309020205020404" pitchFamily="49" charset="0"/>
+                <a:cs typeface="Courier New" panose="02070309020205020404" pitchFamily="49" charset="0"/>
+              </a:rPr>
+              <a:t>./ComputerProgrammingBasic/exercise2/filesystem.py</a:t>
+            </a:r>
+            <a:endParaRPr lang="en" dirty="0" smtClean="0"/>
+          </a:p>
+          <a:p>
+            <a:pPr marL="457200" lvl="0" indent="-342900" rtl="0">
+              <a:spcBef>
+                <a:spcPts val="0"/>
+              </a:spcBef>
+              <a:spcAft>
+                <a:spcPts val="1000"/>
+              </a:spcAft>
+              <a:buSzPts val="1800"/>
+              <a:buFont typeface="+mj-lt"/>
+              <a:buAutoNum type="arabicPeriod" startAt="2"/>
+            </a:pPr>
+            <a:r>
+              <a:rPr lang="en" dirty="0" smtClean="0"/>
+              <a:t>Review the OS commands code</a:t>
+            </a:r>
+          </a:p>
+          <a:p>
+            <a:pPr marL="114300">
+              <a:buNone/>
+            </a:pPr>
+            <a:r>
+              <a:rPr lang="it-IT" sz="800" dirty="0" smtClean="0">
+                <a:solidFill>
+                  <a:srgbClr val="FA8006"/>
+                </a:solidFill>
+                <a:latin typeface="Courier New" panose="02070309020205020404" pitchFamily="49" charset="0"/>
+                <a:cs typeface="Courier New" panose="02070309020205020404" pitchFamily="49" charset="0"/>
+              </a:rPr>
+              <a:t>./ComputerProgrammingBasic/exercise2/operativesystem.py</a:t>
+            </a:r>
+            <a:endParaRPr lang="en" sz="800" dirty="0">
+              <a:solidFill>
+                <a:srgbClr val="FA8006"/>
+              </a:solidFill>
+              <a:latin typeface="Courier New" panose="02070309020205020404" pitchFamily="49" charset="0"/>
+              <a:cs typeface="Courier New" panose="02070309020205020404" pitchFamily="49" charset="0"/>
+            </a:endParaRPr>
+          </a:p>
+          <a:p>
+            <a:pPr marL="457200" indent="-342900">
+              <a:buFont typeface="+mj-lt"/>
+              <a:buAutoNum type="arabicPeriod" startAt="3"/>
+            </a:pPr>
+            <a:r>
+              <a:rPr lang="en" dirty="0" smtClean="0"/>
+              <a:t>Update </a:t>
+            </a:r>
+            <a:r>
+              <a:rPr lang="it-IT" b="1" dirty="0" smtClean="0">
+                <a:latin typeface="Microsoft YaHei UI" panose="020B0503020204020204" pitchFamily="34" charset="-122"/>
+                <a:ea typeface="Microsoft YaHei UI" panose="020B0503020204020204" pitchFamily="34" charset="-122"/>
+              </a:rPr>
+              <a:t>_</a:t>
+            </a:r>
+            <a:r>
+              <a:rPr lang="it-IT" b="1" dirty="0" smtClean="0"/>
+              <a:t>create</a:t>
+            </a:r>
+            <a:r>
+              <a:rPr lang="it-IT" b="1" dirty="0" smtClean="0">
+                <a:latin typeface="Microsoft YaHei" panose="020B0503020204020204" pitchFamily="34" charset="-122"/>
+                <a:ea typeface="Microsoft YaHei" panose="020B0503020204020204" pitchFamily="34" charset="-122"/>
+              </a:rPr>
+              <a:t>_</a:t>
+            </a:r>
+            <a:r>
+              <a:rPr lang="it-IT" b="1" dirty="0" smtClean="0"/>
+              <a:t>directory(.) </a:t>
+            </a:r>
+            <a:r>
+              <a:rPr lang="it-IT" dirty="0" smtClean="0"/>
+              <a:t>adding the right File System API</a:t>
+            </a:r>
+            <a:endParaRPr lang="en" dirty="0"/>
+          </a:p>
+          <a:p>
+            <a:pPr marL="114300" lvl="0">
+              <a:buNone/>
+            </a:pPr>
+            <a:r>
+              <a:rPr lang="it-IT" sz="800" dirty="0">
+                <a:solidFill>
+                  <a:srgbClr val="FA8006"/>
+                </a:solidFill>
+                <a:latin typeface="Courier New" panose="02070309020205020404" pitchFamily="49" charset="0"/>
+                <a:cs typeface="Courier New" panose="02070309020205020404" pitchFamily="49" charset="0"/>
+              </a:rPr>
+              <a:t>./ComputerProgrammingBasic/exercise2/operativesystem.py</a:t>
+            </a:r>
+          </a:p>
+          <a:p>
+            <a:pPr marL="114300" lvl="0" rtl="0">
+              <a:spcBef>
+                <a:spcPts val="0"/>
+              </a:spcBef>
+              <a:spcAft>
+                <a:spcPts val="1000"/>
+              </a:spcAft>
+              <a:buSzPts val="1800"/>
+              <a:buNone/>
+            </a:pPr>
             <a:endParaRPr lang="en" dirty="0"/>
           </a:p>
         </p:txBody>
@@ -18729,19 +18922,7 @@
                 <a:cs typeface="Nunito Sans"/>
                 <a:sym typeface="Nunito Sans"/>
               </a:rPr>
-              <a:t>allows to reuse the same </a:t>
-            </a:r>
-            <a:r>
-              <a:rPr lang="en-US" sz="2000" i="1" dirty="0" smtClean="0">
-                <a:solidFill>
-                  <a:srgbClr val="FFFFFF"/>
-                </a:solidFill>
-                <a:latin typeface="Nunito Sans"/>
-                <a:ea typeface="Nunito Sans"/>
-                <a:cs typeface="Nunito Sans"/>
-                <a:sym typeface="Nunito Sans"/>
-              </a:rPr>
-              <a:t>Blocks using a call command</a:t>
+              <a:t>allows to reuse the same Blocks using a call command</a:t>
             </a:r>
             <a:endParaRPr lang="en" sz="2000" i="1" dirty="0">
               <a:solidFill>
